--- a/Presentation4_group2_CST_8912.pptx
+++ b/Presentation4_group2_CST_8912.pptx
@@ -129,7 +129,7 @@
     <p1510:client id="{04FF8847-A0B8-887B-11BA-57BE22AFAA56}" v="489" dt="2024-11-22T20:20:35.466"/>
     <p1510:client id="{221EDAE7-81F4-5982-2F8C-35E015BA9AF3}" v="501" dt="2024-11-22T20:30:23.003"/>
     <p1510:client id="{3834F43A-F887-DF67-A9F7-21225558DA94}" v="17" dt="2024-11-22T04:40:21.713"/>
-    <p1510:client id="{55818A69-3519-4058-BA70-16F2D6B677B8}" v="373" dt="2024-11-22T20:20:18.276"/>
+    <p1510:client id="{55818A69-3519-4058-BA70-16F2D6B677B8}" v="453" dt="2024-11-22T20:43:59.330"/>
     <p1510:client id="{6C21F390-F2DF-0EA1-0934-42BCBC28C113}" v="5" dt="2024-11-22T20:20:01.771"/>
     <p1510:client id="{762578ED-ED98-5114-9E64-266D30ECD995}" v="99" dt="2024-11-22T18:14:16.658"/>
     <p1510:client id="{8E5ADF80-9E50-2081-741D-59DFE0D1E296}" v="146" dt="2024-11-21T22:12:50.102"/>
@@ -4245,7 +4245,7 @@
             </a:pPr>
             <a:r>
               <a:rPr lang="en-US" sz="2000"/>
-              <a:t>Market Analysis, Ethical Consideration and Processing Power</a:t>
+              <a:t>Market Analysis, Impact of Machine learning at Netflix.</a:t>
             </a:r>
           </a:p>
           <a:p>
